--- a/DrugStudyPresentation.pptx
+++ b/DrugStudyPresentation.pptx
@@ -3663,6 +3663,18 @@
               <a:t>To understand the association between smoking cigarette and marijuana with signs of emotional stress </a:t>
             </a:r>
           </a:p>
+          <a:p>
+            <a:r>
+              <a:rPr lang="en-US" dirty="0"/>
+              <a:t>Use propensity score matching and coarsened exact matching for matching techniques</a:t>
+            </a:r>
+          </a:p>
+          <a:p>
+            <a:r>
+              <a:rPr lang="en-US" dirty="0"/>
+              <a:t>Use doubly robust regression and BART (Bayesian Additive Regression Trees) for regression techniques</a:t>
+            </a:r>
+          </a:p>
         </p:txBody>
       </p:sp>
     </p:spTree>
